--- a/static/ppts/crs-summary.pptx
+++ b/static/ppts/crs-summary.pptx
@@ -243,7 +243,7 @@
           <a:p>
             <a:fld id="{79303334-474C-6843-B94A-BEB7E7B839E0}" type="datetimeFigureOut">
               <a:rPr lang="en-US" smtClean="0"/>
-              <a:t>4/16/25</a:t>
+              <a:t>4/18/25</a:t>
             </a:fld>
             <a:endParaRPr lang="en-US"/>
           </a:p>
@@ -413,7 +413,7 @@
           <a:p>
             <a:fld id="{79303334-474C-6843-B94A-BEB7E7B839E0}" type="datetimeFigureOut">
               <a:rPr lang="en-US" smtClean="0"/>
-              <a:t>4/16/25</a:t>
+              <a:t>4/18/25</a:t>
             </a:fld>
             <a:endParaRPr lang="en-US"/>
           </a:p>
@@ -593,7 +593,7 @@
           <a:p>
             <a:fld id="{79303334-474C-6843-B94A-BEB7E7B839E0}" type="datetimeFigureOut">
               <a:rPr lang="en-US" smtClean="0"/>
-              <a:t>4/16/25</a:t>
+              <a:t>4/18/25</a:t>
             </a:fld>
             <a:endParaRPr lang="en-US"/>
           </a:p>
@@ -763,7 +763,7 @@
           <a:p>
             <a:fld id="{79303334-474C-6843-B94A-BEB7E7B839E0}" type="datetimeFigureOut">
               <a:rPr lang="en-US" smtClean="0"/>
-              <a:t>4/16/25</a:t>
+              <a:t>4/18/25</a:t>
             </a:fld>
             <a:endParaRPr lang="en-US"/>
           </a:p>
@@ -1009,7 +1009,7 @@
           <a:p>
             <a:fld id="{79303334-474C-6843-B94A-BEB7E7B839E0}" type="datetimeFigureOut">
               <a:rPr lang="en-US" smtClean="0"/>
-              <a:t>4/16/25</a:t>
+              <a:t>4/18/25</a:t>
             </a:fld>
             <a:endParaRPr lang="en-US"/>
           </a:p>
@@ -1241,7 +1241,7 @@
           <a:p>
             <a:fld id="{79303334-474C-6843-B94A-BEB7E7B839E0}" type="datetimeFigureOut">
               <a:rPr lang="en-US" smtClean="0"/>
-              <a:t>4/16/25</a:t>
+              <a:t>4/18/25</a:t>
             </a:fld>
             <a:endParaRPr lang="en-US"/>
           </a:p>
@@ -1608,7 +1608,7 @@
           <a:p>
             <a:fld id="{79303334-474C-6843-B94A-BEB7E7B839E0}" type="datetimeFigureOut">
               <a:rPr lang="en-US" smtClean="0"/>
-              <a:t>4/16/25</a:t>
+              <a:t>4/18/25</a:t>
             </a:fld>
             <a:endParaRPr lang="en-US"/>
           </a:p>
@@ -1726,7 +1726,7 @@
           <a:p>
             <a:fld id="{79303334-474C-6843-B94A-BEB7E7B839E0}" type="datetimeFigureOut">
               <a:rPr lang="en-US" smtClean="0"/>
-              <a:t>4/16/25</a:t>
+              <a:t>4/18/25</a:t>
             </a:fld>
             <a:endParaRPr lang="en-US"/>
           </a:p>
@@ -1821,7 +1821,7 @@
           <a:p>
             <a:fld id="{79303334-474C-6843-B94A-BEB7E7B839E0}" type="datetimeFigureOut">
               <a:rPr lang="en-US" smtClean="0"/>
-              <a:t>4/16/25</a:t>
+              <a:t>4/18/25</a:t>
             </a:fld>
             <a:endParaRPr lang="en-US"/>
           </a:p>
@@ -2098,7 +2098,7 @@
           <a:p>
             <a:fld id="{79303334-474C-6843-B94A-BEB7E7B839E0}" type="datetimeFigureOut">
               <a:rPr lang="en-US" smtClean="0"/>
-              <a:t>4/16/25</a:t>
+              <a:t>4/18/25</a:t>
             </a:fld>
             <a:endParaRPr lang="en-US"/>
           </a:p>
@@ -2355,7 +2355,7 @@
           <a:p>
             <a:fld id="{79303334-474C-6843-B94A-BEB7E7B839E0}" type="datetimeFigureOut">
               <a:rPr lang="en-US" smtClean="0"/>
-              <a:t>4/16/25</a:t>
+              <a:t>4/18/25</a:t>
             </a:fld>
             <a:endParaRPr lang="en-US"/>
           </a:p>
@@ -2568,7 +2568,7 @@
           <a:p>
             <a:fld id="{79303334-474C-6843-B94A-BEB7E7B839E0}" type="datetimeFigureOut">
               <a:rPr lang="en-US" smtClean="0"/>
-              <a:t>4/16/25</a:t>
+              <a:t>4/18/25</a:t>
             </a:fld>
             <a:endParaRPr lang="en-US"/>
           </a:p>
@@ -3688,9 +3688,10 @@
           <a:p>
             <a:pPr algn="ctr"/>
             <a:r>
-              <a:rPr lang="en-US" sz="1400" i="1" dirty="0"/>
-              <a:t>Determine endotype</a:t>
-            </a:r>
+              <a:rPr lang="en-US" sz="1400" i="1"/>
+              <a:t>Determine subtype</a:t>
+            </a:r>
+            <a:endParaRPr lang="en-US" sz="1400" i="1" dirty="0"/>
           </a:p>
           <a:p>
             <a:pPr algn="ctr"/>
